--- a/Project/Advanced Encryption Standard(AES).pptx
+++ b/Project/Advanced Encryption Standard(AES).pptx
@@ -17,7 +17,8 @@
     <p:sldId id="265" r:id="rId11"/>
     <p:sldId id="266" r:id="rId12"/>
     <p:sldId id="270" r:id="rId13"/>
-    <p:sldId id="269" r:id="rId14"/>
+    <p:sldId id="271" r:id="rId14"/>
+    <p:sldId id="269" r:id="rId15"/>
   </p:sldIdLst>
   <p:sldSz cx="12192000" cy="6858000"/>
   <p:notesSz cx="6858000" cy="9144000"/>
@@ -118,7 +119,18 @@
   </p:defaultTextStyle>
   <p:extLst>
     <p:ext uri="{EFAFB233-063F-42B5-8137-9DF3F51BA10A}">
-      <p15:sldGuideLst xmlns:p15="http://schemas.microsoft.com/office/powerpoint/2012/main" xmlns=""/>
+      <p15:sldGuideLst xmlns:p15="http://schemas.microsoft.com/office/powerpoint/2012/main">
+        <p15:guide id="1" orient="horz" pos="2160">
+          <p15:clr>
+            <a:srgbClr val="A4A3A4"/>
+          </p15:clr>
+        </p15:guide>
+        <p15:guide id="2" pos="3840">
+          <p15:clr>
+            <a:srgbClr val="A4A3A4"/>
+          </p15:clr>
+        </p15:guide>
+      </p15:sldGuideLst>
     </p:ext>
   </p:extLst>
 </p:presentation>
@@ -2993,64 +3005,172 @@
         </p:nvSpPr>
         <p:spPr>
           <a:xfrm>
-            <a:off x="1524000" y="1214438"/>
-            <a:ext cx="9144000" cy="2387600"/>
+            <a:off x="2304393" y="1710561"/>
+            <a:ext cx="7911663" cy="3129454"/>
           </a:xfrm>
         </p:spPr>
         <p:txBody>
           <a:bodyPr>
-            <a:normAutofit/>
+            <a:normAutofit fontScale="90000"/>
           </a:bodyPr>
           <a:lstStyle/>
           <a:p>
-            <a:r>
-              <a:rPr lang="en-US" sz="4400" b="1" dirty="0" smtClean="0"/>
-              <a:t>Advanced Encryption Standard(AES) </a:t>
-            </a:r>
-            <a:endParaRPr lang="en-US" sz="4400" b="1" dirty="0"/>
-          </a:p>
-        </p:txBody>
-      </p:sp>
-      <p:sp>
-        <p:nvSpPr>
-          <p:cNvPr id="3" name="Subtitle 2"/>
-          <p:cNvSpPr>
-            <a:spLocks noGrp="1"/>
-          </p:cNvSpPr>
-          <p:nvPr>
-            <p:ph type="subTitle" idx="1"/>
-          </p:nvPr>
-        </p:nvSpPr>
-        <p:spPr>
-          <a:xfrm>
-            <a:off x="2534653" y="4997701"/>
-            <a:ext cx="9144000" cy="1655762"/>
-          </a:xfrm>
-        </p:spPr>
-        <p:txBody>
-          <a:bodyPr/>
-          <a:lstStyle/>
-          <a:p>
-            <a:pPr algn="r">
+            <a:pPr algn="l">
+              <a:lnSpc>
+                <a:spcPct val="80000"/>
+              </a:lnSpc>
               <a:spcBef>
                 <a:spcPts val="0"/>
               </a:spcBef>
             </a:pPr>
             <a:r>
-              <a:rPr lang="en-US" dirty="0" smtClean="0"/>
-              <a:t>Sandeep Salla</a:t>
-            </a:r>
-          </a:p>
-          <a:p>
-            <a:pPr algn="r">
-              <a:spcBef>
-                <a:spcPts val="0"/>
-              </a:spcBef>
-            </a:pPr>
-            <a:r>
-              <a:rPr lang="en-US" dirty="0" smtClean="0"/>
-              <a:t>Himaja Kethiri</a:t>
-            </a:r>
+              <a:rPr lang="en-US" sz="4400" b="1" dirty="0" smtClean="0"/>
+              <a:t>Advanced Encryption Standard(AES</a:t>
+            </a:r>
+            <a:r>
+              <a:rPr lang="en-US" sz="4400" b="1" dirty="0" smtClean="0"/>
+              <a:t>)</a:t>
+            </a:r>
+            <a:br>
+              <a:rPr lang="en-US" sz="4400" b="1" dirty="0" smtClean="0"/>
+            </a:br>
+            <a:r>
+              <a:rPr lang="en-US" sz="4400" b="1" dirty="0" smtClean="0"/>
+              <a:t>		</a:t>
+            </a:r>
+            <a:r>
+              <a:rPr lang="en-US" sz="4400" b="1" dirty="0"/>
+              <a:t> </a:t>
+            </a:r>
+            <a:r>
+              <a:rPr lang="en-US" sz="4400" b="1" dirty="0" smtClean="0"/>
+              <a:t>   </a:t>
+            </a:r>
+            <a:r>
+              <a:rPr lang="en-US" sz="1800" b="1" dirty="0" smtClean="0"/>
+              <a:t>For 128, 192, and 256-bits</a:t>
+            </a:r>
+            <a:br>
+              <a:rPr lang="en-US" sz="1800" b="1" dirty="0" smtClean="0"/>
+            </a:br>
+            <a:r>
+              <a:rPr lang="en-US" sz="1800" b="1" dirty="0" smtClean="0"/>
+              <a:t/>
+            </a:r>
+            <a:br>
+              <a:rPr lang="en-US" sz="1800" b="1" dirty="0" smtClean="0"/>
+            </a:br>
+            <a:r>
+              <a:rPr lang="en-US" sz="1800" b="1" dirty="0" smtClean="0"/>
+              <a:t>		Course ID: </a:t>
+            </a:r>
+            <a:r>
+              <a:rPr lang="en-US" sz="1800" dirty="0" smtClean="0"/>
+              <a:t>MSCS 630</a:t>
+            </a:r>
+            <a:br>
+              <a:rPr lang="en-US" sz="1800" dirty="0" smtClean="0"/>
+            </a:br>
+            <a:r>
+              <a:rPr lang="en-US" sz="1800" dirty="0" smtClean="0"/>
+              <a:t>		</a:t>
+            </a:r>
+            <a:r>
+              <a:rPr lang="en-US" sz="1800" b="1" dirty="0" smtClean="0"/>
+              <a:t>Course Name:</a:t>
+            </a:r>
+            <a:r>
+              <a:rPr lang="en-US" sz="1800" dirty="0" smtClean="0"/>
+              <a:t> Security Algorithms and Protocols</a:t>
+            </a:r>
+            <a:br>
+              <a:rPr lang="en-US" sz="1800" dirty="0" smtClean="0"/>
+            </a:br>
+            <a:r>
+              <a:rPr lang="en-US" sz="1800" dirty="0" smtClean="0"/>
+              <a:t>		</a:t>
+            </a:r>
+            <a:r>
+              <a:rPr lang="en-US" sz="1800" b="1" dirty="0" smtClean="0"/>
+              <a:t>Professor: </a:t>
+            </a:r>
+            <a:r>
+              <a:rPr lang="en-US" sz="1800" dirty="0" smtClean="0"/>
+              <a:t>Pablo Rivas-</a:t>
+            </a:r>
+            <a:r>
+              <a:rPr lang="en-US" sz="1800" dirty="0" err="1" smtClean="0"/>
+              <a:t>Perea</a:t>
+            </a:r>
+            <a:r>
+              <a:rPr lang="en-US" sz="1800" dirty="0" smtClean="0"/>
+              <a:t/>
+            </a:r>
+            <a:br>
+              <a:rPr lang="en-US" sz="1800" dirty="0" smtClean="0"/>
+            </a:br>
+            <a:r>
+              <a:rPr lang="en-US" sz="1800" dirty="0" smtClean="0"/>
+              <a:t>		</a:t>
+            </a:r>
+            <a:r>
+              <a:rPr lang="en-US" sz="1800" b="1" dirty="0" smtClean="0"/>
+              <a:t>Author:</a:t>
+            </a:r>
+            <a:r>
+              <a:rPr lang="en-US" sz="1800" dirty="0" smtClean="0"/>
+              <a:t> Sandeep Reddy </a:t>
+            </a:r>
+            <a:r>
+              <a:rPr lang="en-US" sz="1800" dirty="0" err="1" smtClean="0"/>
+              <a:t>Salla</a:t>
+            </a:r>
+            <a:r>
+              <a:rPr lang="en-US" sz="1800" dirty="0" smtClean="0"/>
+              <a:t>, Himaja </a:t>
+            </a:r>
+            <a:r>
+              <a:rPr lang="en-US" sz="1800" dirty="0" err="1" smtClean="0"/>
+              <a:t>Kethiri</a:t>
+            </a:r>
+            <a:r>
+              <a:rPr lang="en-US" sz="1800" dirty="0" smtClean="0"/>
+              <a:t/>
+            </a:r>
+            <a:br>
+              <a:rPr lang="en-US" sz="1800" dirty="0" smtClean="0"/>
+            </a:br>
+            <a:r>
+              <a:rPr lang="en-US" sz="1800" dirty="0" smtClean="0"/>
+              <a:t>		</a:t>
+            </a:r>
+            <a:r>
+              <a:rPr lang="en-US" sz="1800" b="1" dirty="0" smtClean="0"/>
+              <a:t>Date:</a:t>
+            </a:r>
+            <a:r>
+              <a:rPr lang="en-US" sz="1800" dirty="0" smtClean="0"/>
+              <a:t> May 2, 2016</a:t>
+            </a:r>
+            <a:r>
+              <a:rPr lang="en-US" sz="1800" b="1" dirty="0" smtClean="0"/>
+              <a:t/>
+            </a:r>
+            <a:br>
+              <a:rPr lang="en-US" sz="1800" b="1" dirty="0" smtClean="0"/>
+            </a:br>
+            <a:r>
+              <a:rPr lang="en-US" sz="1800" b="1" dirty="0" smtClean="0"/>
+              <a:t> </a:t>
+            </a:r>
+            <a:r>
+              <a:rPr lang="en-US" sz="1800" b="1" dirty="0"/>
+              <a:t/>
+            </a:r>
+            <a:br>
+              <a:rPr lang="en-US" sz="1800" b="1" dirty="0"/>
+            </a:br>
+            <a:endParaRPr lang="en-US" sz="1800" b="1" dirty="0"/>
           </a:p>
         </p:txBody>
       </p:sp>
@@ -3142,15 +3262,7 @@
           <a:p>
             <a:r>
               <a:rPr lang="en-US" dirty="0" smtClean="0"/>
-              <a:t>First determine the number </a:t>
-            </a:r>
-            <a:r>
-              <a:rPr lang="en-US" dirty="0" smtClean="0"/>
-              <a:t>of </a:t>
-            </a:r>
-            <a:r>
-              <a:rPr lang="en-US" dirty="0" smtClean="0"/>
-              <a:t>the padding bytes required.</a:t>
+              <a:t>First determine the number of the padding bytes required.</a:t>
             </a:r>
           </a:p>
           <a:p>
@@ -3398,6 +3510,115 @@
 </file>
 
 <file path=ppt/slides/slide13.xml><?xml version="1.0" encoding="utf-8"?>
+<p:sld xmlns:a="http://schemas.openxmlformats.org/drawingml/2006/main" xmlns:r="http://schemas.openxmlformats.org/officeDocument/2006/relationships" xmlns:p="http://schemas.openxmlformats.org/presentationml/2006/main">
+  <p:cSld>
+    <p:spTree>
+      <p:nvGrpSpPr>
+        <p:cNvPr id="1" name=""/>
+        <p:cNvGrpSpPr/>
+        <p:nvPr/>
+      </p:nvGrpSpPr>
+      <p:grpSpPr>
+        <a:xfrm>
+          <a:off x="0" y="0"/>
+          <a:ext cx="0" cy="0"/>
+          <a:chOff x="0" y="0"/>
+          <a:chExt cx="0" cy="0"/>
+        </a:xfrm>
+      </p:grpSpPr>
+      <p:sp>
+        <p:nvSpPr>
+          <p:cNvPr id="2" name="Title 1"/>
+          <p:cNvSpPr>
+            <a:spLocks noGrp="1"/>
+          </p:cNvSpPr>
+          <p:nvPr>
+            <p:ph type="title"/>
+          </p:nvPr>
+        </p:nvSpPr>
+        <p:spPr/>
+        <p:txBody>
+          <a:bodyPr/>
+          <a:lstStyle/>
+          <a:p>
+            <a:r>
+              <a:rPr lang="en-IN" b="1" dirty="0" smtClean="0"/>
+              <a:t>References</a:t>
+            </a:r>
+            <a:endParaRPr lang="en-IN" b="1" dirty="0"/>
+          </a:p>
+        </p:txBody>
+      </p:sp>
+      <p:sp>
+        <p:nvSpPr>
+          <p:cNvPr id="3" name="Content Placeholder 2"/>
+          <p:cNvSpPr>
+            <a:spLocks noGrp="1"/>
+          </p:cNvSpPr>
+          <p:nvPr>
+            <p:ph idx="1"/>
+          </p:nvPr>
+        </p:nvSpPr>
+        <p:spPr/>
+        <p:txBody>
+          <a:bodyPr/>
+          <a:lstStyle/>
+          <a:p>
+            <a:r>
+              <a:rPr lang="en-US" sz="2400" u="sng" dirty="0">
+                <a:hlinkClick r:id="rId2"/>
+              </a:rPr>
+              <a:t>http://csrc.nist.gov/publications/fips/fips197/fips-197.pdf</a:t>
+            </a:r>
+            <a:endParaRPr lang="en-IN" sz="2400" dirty="0"/>
+          </a:p>
+          <a:p>
+            <a:r>
+              <a:rPr lang="en-US" sz="2400" u="sng" dirty="0">
+                <a:hlinkClick r:id="rId3"/>
+              </a:rPr>
+              <a:t>https://engineering.purdue.edu/kak/compsec/NewLectures/Lecture8.pdf</a:t>
+            </a:r>
+            <a:endParaRPr lang="en-IN" sz="2400" dirty="0"/>
+          </a:p>
+          <a:p>
+            <a:r>
+              <a:rPr lang="en-US" sz="2400" u="sng" dirty="0">
+                <a:hlinkClick r:id="rId4"/>
+              </a:rPr>
+              <a:t>https://www.rivier.edu/journal/ROAJ-Fall-2010/J455-Selent-AES.pdf</a:t>
+            </a:r>
+            <a:endParaRPr lang="en-IN" sz="2400" dirty="0"/>
+          </a:p>
+          <a:p>
+            <a:pPr marL="0" indent="0">
+              <a:buNone/>
+            </a:pPr>
+            <a:endParaRPr lang="en-IN" dirty="0"/>
+          </a:p>
+        </p:txBody>
+      </p:sp>
+    </p:spTree>
+    <p:extLst>
+      <p:ext uri="{BB962C8B-B14F-4D97-AF65-F5344CB8AC3E}">
+        <p14:creationId xmlns:p14="http://schemas.microsoft.com/office/powerpoint/2010/main" val="1077720806"/>
+      </p:ext>
+    </p:extLst>
+  </p:cSld>
+  <p:clrMapOvr>
+    <a:masterClrMapping/>
+  </p:clrMapOvr>
+  <p:timing>
+    <p:tnLst>
+      <p:par>
+        <p:cTn id="1" dur="indefinite" restart="never" nodeType="tmRoot"/>
+      </p:par>
+    </p:tnLst>
+  </p:timing>
+</p:sld>
+</file>
+
+<file path=ppt/slides/slide14.xml><?xml version="1.0" encoding="utf-8"?>
 <p:sld xmlns:a="http://schemas.openxmlformats.org/drawingml/2006/main" xmlns:r="http://schemas.openxmlformats.org/officeDocument/2006/relationships" xmlns:p="http://schemas.openxmlformats.org/presentationml/2006/main">
   <p:cSld>
     <p:spTree>
@@ -3520,7 +3741,9 @@
           </a:xfrm>
         </p:spPr>
         <p:txBody>
-          <a:bodyPr/>
+          <a:bodyPr>
+            <a:normAutofit lnSpcReduction="10000"/>
+          </a:bodyPr>
           <a:lstStyle/>
           <a:p>
             <a:r>
@@ -3568,6 +3791,12 @@
             <a:r>
               <a:rPr lang="en-US" dirty="0" smtClean="0"/>
               <a:t>Conclusion</a:t>
+            </a:r>
+          </a:p>
+          <a:p>
+            <a:r>
+              <a:rPr lang="en-US" dirty="0" err="1" smtClean="0"/>
+              <a:t>Refererences</a:t>
             </a:r>
             <a:endParaRPr lang="en-US" dirty="0"/>
           </a:p>
@@ -3673,11 +3902,7 @@
           <a:p>
             <a:r>
               <a:rPr lang="en-US" dirty="0" smtClean="0"/>
-              <a:t>Uses key size </a:t>
-            </a:r>
-            <a:r>
-              <a:rPr lang="en-US" dirty="0" smtClean="0"/>
-              <a:t>128, 192 and 256-bits       </a:t>
+              <a:t>Uses key size 128, 192 and 256-bits       </a:t>
             </a:r>
             <a:endParaRPr lang="en-US" dirty="0"/>
           </a:p>
@@ -3812,11 +4037,7 @@
           <a:p>
             <a:r>
               <a:rPr lang="en-US" dirty="0" smtClean="0"/>
-              <a:t>Easy to </a:t>
-            </a:r>
-            <a:r>
-              <a:rPr lang="en-US" dirty="0" smtClean="0"/>
-              <a:t>implement</a:t>
+              <a:t>Easy to implement</a:t>
             </a:r>
           </a:p>
           <a:p>
@@ -5141,7 +5362,7 @@
   <a:extraClrSchemeLst/>
   <a:extLst>
     <a:ext uri="{05A4C25C-085E-4340-85A3-A5531E510DB2}">
-      <thm15:themeFamily xmlns:thm15="http://schemas.microsoft.com/office/thememl/2012/main" xmlns="" name="Office Theme" id="{62F939B6-93AF-4DB8-9C6B-D6C7DFDC589F}" vid="{4A3C46E8-61CC-4603-A589-7422A47A8E4A}"/>
+      <thm15:themeFamily xmlns:thm15="http://schemas.microsoft.com/office/thememl/2012/main" name="Office Theme" id="{62F939B6-93AF-4DB8-9C6B-D6C7DFDC589F}" vid="{4A3C46E8-61CC-4603-A589-7422A47A8E4A}"/>
     </a:ext>
   </a:extLst>
 </a:theme>
